--- a/원주율 구하기.pptx
+++ b/원주율 구하기.pptx
@@ -206,7 +206,7 @@
           <a:p>
             <a:fld id="{C9F6AEBA-EBCD-714C-8B00-A5190317B96C}" type="datetimeFigureOut">
               <a:rPr kumimoji="1" lang="ko-Kore-KR" altLang="en-US" smtClean="0"/>
-              <a:t>2022. 7. 6.</a:t>
+              <a:t>2022. 10. 17.</a:t>
             </a:fld>
             <a:endParaRPr kumimoji="1" lang="ko-Kore-KR" altLang="en-US"/>
           </a:p>
@@ -905,7 +905,7 @@
           <a:p>
             <a:fld id="{EBEB7A4F-2411-0847-8691-823BF0F5444A}" type="datetimeFigureOut">
               <a:rPr kumimoji="1" lang="ko-Kore-KR" altLang="en-US" smtClean="0"/>
-              <a:t>2022. 7. 6.</a:t>
+              <a:t>2022. 10. 17.</a:t>
             </a:fld>
             <a:endParaRPr kumimoji="1" lang="ko-Kore-KR" altLang="en-US"/>
           </a:p>
@@ -1105,7 +1105,7 @@
           <a:p>
             <a:fld id="{EBEB7A4F-2411-0847-8691-823BF0F5444A}" type="datetimeFigureOut">
               <a:rPr kumimoji="1" lang="ko-Kore-KR" altLang="en-US" smtClean="0"/>
-              <a:t>2022. 7. 6.</a:t>
+              <a:t>2022. 10. 17.</a:t>
             </a:fld>
             <a:endParaRPr kumimoji="1" lang="ko-Kore-KR" altLang="en-US"/>
           </a:p>
@@ -1315,7 +1315,7 @@
           <a:p>
             <a:fld id="{EBEB7A4F-2411-0847-8691-823BF0F5444A}" type="datetimeFigureOut">
               <a:rPr kumimoji="1" lang="ko-Kore-KR" altLang="en-US" smtClean="0"/>
-              <a:t>2022. 7. 6.</a:t>
+              <a:t>2022. 10. 17.</a:t>
             </a:fld>
             <a:endParaRPr kumimoji="1" lang="ko-Kore-KR" altLang="en-US"/>
           </a:p>
@@ -1515,7 +1515,7 @@
           <a:p>
             <a:fld id="{EBEB7A4F-2411-0847-8691-823BF0F5444A}" type="datetimeFigureOut">
               <a:rPr kumimoji="1" lang="ko-Kore-KR" altLang="en-US" smtClean="0"/>
-              <a:t>2022. 7. 6.</a:t>
+              <a:t>2022. 10. 17.</a:t>
             </a:fld>
             <a:endParaRPr kumimoji="1" lang="ko-Kore-KR" altLang="en-US"/>
           </a:p>
@@ -1791,7 +1791,7 @@
           <a:p>
             <a:fld id="{EBEB7A4F-2411-0847-8691-823BF0F5444A}" type="datetimeFigureOut">
               <a:rPr kumimoji="1" lang="ko-Kore-KR" altLang="en-US" smtClean="0"/>
-              <a:t>2022. 7. 6.</a:t>
+              <a:t>2022. 10. 17.</a:t>
             </a:fld>
             <a:endParaRPr kumimoji="1" lang="ko-Kore-KR" altLang="en-US"/>
           </a:p>
@@ -2059,7 +2059,7 @@
           <a:p>
             <a:fld id="{EBEB7A4F-2411-0847-8691-823BF0F5444A}" type="datetimeFigureOut">
               <a:rPr kumimoji="1" lang="ko-Kore-KR" altLang="en-US" smtClean="0"/>
-              <a:t>2022. 7. 6.</a:t>
+              <a:t>2022. 10. 17.</a:t>
             </a:fld>
             <a:endParaRPr kumimoji="1" lang="ko-Kore-KR" altLang="en-US"/>
           </a:p>
@@ -2474,7 +2474,7 @@
           <a:p>
             <a:fld id="{EBEB7A4F-2411-0847-8691-823BF0F5444A}" type="datetimeFigureOut">
               <a:rPr kumimoji="1" lang="ko-Kore-KR" altLang="en-US" smtClean="0"/>
-              <a:t>2022. 7. 6.</a:t>
+              <a:t>2022. 10. 17.</a:t>
             </a:fld>
             <a:endParaRPr kumimoji="1" lang="ko-Kore-KR" altLang="en-US"/>
           </a:p>
@@ -2616,7 +2616,7 @@
           <a:p>
             <a:fld id="{EBEB7A4F-2411-0847-8691-823BF0F5444A}" type="datetimeFigureOut">
               <a:rPr kumimoji="1" lang="ko-Kore-KR" altLang="en-US" smtClean="0"/>
-              <a:t>2022. 7. 6.</a:t>
+              <a:t>2022. 10. 17.</a:t>
             </a:fld>
             <a:endParaRPr kumimoji="1" lang="ko-Kore-KR" altLang="en-US"/>
           </a:p>
@@ -2729,7 +2729,7 @@
           <a:p>
             <a:fld id="{EBEB7A4F-2411-0847-8691-823BF0F5444A}" type="datetimeFigureOut">
               <a:rPr kumimoji="1" lang="ko-Kore-KR" altLang="en-US" smtClean="0"/>
-              <a:t>2022. 7. 6.</a:t>
+              <a:t>2022. 10. 17.</a:t>
             </a:fld>
             <a:endParaRPr kumimoji="1" lang="ko-Kore-KR" altLang="en-US"/>
           </a:p>
@@ -3042,7 +3042,7 @@
           <a:p>
             <a:fld id="{EBEB7A4F-2411-0847-8691-823BF0F5444A}" type="datetimeFigureOut">
               <a:rPr kumimoji="1" lang="ko-Kore-KR" altLang="en-US" smtClean="0"/>
-              <a:t>2022. 7. 6.</a:t>
+              <a:t>2022. 10. 17.</a:t>
             </a:fld>
             <a:endParaRPr kumimoji="1" lang="ko-Kore-KR" altLang="en-US"/>
           </a:p>
@@ -3331,7 +3331,7 @@
           <a:p>
             <a:fld id="{EBEB7A4F-2411-0847-8691-823BF0F5444A}" type="datetimeFigureOut">
               <a:rPr kumimoji="1" lang="ko-Kore-KR" altLang="en-US" smtClean="0"/>
-              <a:t>2022. 7. 6.</a:t>
+              <a:t>2022. 10. 17.</a:t>
             </a:fld>
             <a:endParaRPr kumimoji="1" lang="ko-Kore-KR" altLang="en-US"/>
           </a:p>
@@ -3574,7 +3574,7 @@
           <a:p>
             <a:fld id="{EBEB7A4F-2411-0847-8691-823BF0F5444A}" type="datetimeFigureOut">
               <a:rPr kumimoji="1" lang="ko-Kore-KR" altLang="en-US" smtClean="0"/>
-              <a:t>2022. 7. 6.</a:t>
+              <a:t>2022. 10. 17.</a:t>
             </a:fld>
             <a:endParaRPr kumimoji="1" lang="ko-Kore-KR" altLang="en-US"/>
           </a:p>
@@ -4536,16 +4536,8 @@
           <a:p>
             <a:pPr algn="l"/>
             <a:r>
-              <a:rPr kumimoji="1" lang="en-US" altLang="ko-Kore-KR" sz="2000" dirty="0"/>
-              <a:t>1</a:t>
-            </a:r>
-            <a:r>
-              <a:rPr kumimoji="1" lang="en-US" altLang="ko-KR" sz="2000" dirty="0"/>
-              <a:t>0729</a:t>
-            </a:r>
-            <a:r>
-              <a:rPr kumimoji="1" lang="ko-KR" altLang="en-US" sz="2000" dirty="0"/>
-              <a:t> 박준서</a:t>
+              <a:rPr kumimoji="1" lang="ko-KR" altLang="en-US" sz="2000"/>
+              <a:t>박준서</a:t>
             </a:r>
             <a:endParaRPr kumimoji="1" lang="ko-Kore-KR" altLang="en-US" sz="2000" dirty="0"/>
           </a:p>
@@ -5233,6 +5225,7 @@
               </a:bodyPr>
               <a:lstStyle/>
               <a:p>
+                <a:pPr/>
                 <a14:m>
                   <m:oMathPara xmlns:m="http://schemas.openxmlformats.org/officeDocument/2006/math">
                     <m:oMathParaPr>
@@ -5924,8 +5917,8 @@
           </a:p>
         </p:txBody>
       </p:sp>
-      <mc:AlternateContent xmlns:mc="http://schemas.openxmlformats.org/markup-compatibility/2006">
-        <mc:Choice xmlns:a14="http://schemas.microsoft.com/office/drawing/2010/main" Requires="a14">
+      <mc:AlternateContent xmlns:mc="http://schemas.openxmlformats.org/markup-compatibility/2006" xmlns:a14="http://schemas.microsoft.com/office/drawing/2010/main">
+        <mc:Choice Requires="a14">
           <p:sp>
             <p:nvSpPr>
               <p:cNvPr id="7" name="TextBox 6">
@@ -6049,7 +6042,7 @@
             </p:txBody>
           </p:sp>
         </mc:Choice>
-        <mc:Fallback>
+        <mc:Fallback xmlns="">
           <p:sp>
             <p:nvSpPr>
               <p:cNvPr id="7" name="TextBox 6">
@@ -6094,8 +6087,8 @@
           </p:sp>
         </mc:Fallback>
       </mc:AlternateContent>
-      <mc:AlternateContent xmlns:mc="http://schemas.openxmlformats.org/markup-compatibility/2006">
-        <mc:Choice xmlns:a14="http://schemas.microsoft.com/office/drawing/2010/main" Requires="a14">
+      <mc:AlternateContent xmlns:mc="http://schemas.openxmlformats.org/markup-compatibility/2006" xmlns:a14="http://schemas.microsoft.com/office/drawing/2010/main">
+        <mc:Choice Requires="a14">
           <p:sp>
             <p:nvSpPr>
               <p:cNvPr id="8" name="TextBox 7">
@@ -6241,7 +6234,7 @@
             </p:txBody>
           </p:sp>
         </mc:Choice>
-        <mc:Fallback>
+        <mc:Fallback xmlns="">
           <p:sp>
             <p:nvSpPr>
               <p:cNvPr id="8" name="TextBox 7">
@@ -6458,8 +6451,8 @@
           <a:chExt cx="0" cy="0"/>
         </a:xfrm>
       </p:grpSpPr>
-      <mc:AlternateContent xmlns:mc="http://schemas.openxmlformats.org/markup-compatibility/2006">
-        <mc:Choice xmlns:a14="http://schemas.microsoft.com/office/drawing/2010/main" Requires="a14">
+      <mc:AlternateContent xmlns:mc="http://schemas.openxmlformats.org/markup-compatibility/2006" xmlns:a14="http://schemas.microsoft.com/office/drawing/2010/main">
+        <mc:Choice Requires="a14">
           <p:sp>
             <p:nvSpPr>
               <p:cNvPr id="4" name="TextBox 3">
@@ -6702,7 +6695,7 @@
             </p:txBody>
           </p:sp>
         </mc:Choice>
-        <mc:Fallback>
+        <mc:Fallback xmlns="">
           <p:sp>
             <p:nvSpPr>
               <p:cNvPr id="4" name="TextBox 3">
@@ -6757,13 +6750,13 @@
   <p:clrMapOvr>
     <a:masterClrMapping/>
   </p:clrMapOvr>
-  <mc:AlternateContent xmlns:mc="http://schemas.openxmlformats.org/markup-compatibility/2006">
-    <mc:Choice xmlns:p159="http://schemas.microsoft.com/office/powerpoint/2015/09/main" Requires="p159">
+  <mc:AlternateContent xmlns:mc="http://schemas.openxmlformats.org/markup-compatibility/2006" xmlns:p159="http://schemas.microsoft.com/office/powerpoint/2015/09/main">
+    <mc:Choice Requires="p159">
       <p:transition xmlns:p14="http://schemas.microsoft.com/office/powerpoint/2010/main" spd="slow" p14:dur="2000">
         <p159:morph option="byChar"/>
       </p:transition>
     </mc:Choice>
-    <mc:Fallback>
+    <mc:Fallback xmlns="">
       <p:transition spd="slow">
         <p:fade/>
       </p:transition>
@@ -7827,8 +7820,8 @@
           </a:p>
         </p:txBody>
       </p:sp>
-      <mc:AlternateContent xmlns:mc="http://schemas.openxmlformats.org/markup-compatibility/2006">
-        <mc:Choice xmlns:a14="http://schemas.microsoft.com/office/drawing/2010/main" Requires="a14">
+      <mc:AlternateContent xmlns:mc="http://schemas.openxmlformats.org/markup-compatibility/2006" xmlns:a14="http://schemas.microsoft.com/office/drawing/2010/main">
+        <mc:Choice Requires="a14">
           <p:sp>
             <p:nvSpPr>
               <p:cNvPr id="32" name="TextBox 31">
@@ -7857,6 +7850,7 @@
               </a:bodyPr>
               <a:lstStyle/>
               <a:p>
+                <a:pPr/>
                 <a14:m>
                   <m:oMathPara xmlns:m="http://schemas.openxmlformats.org/officeDocument/2006/math">
                     <m:oMathParaPr>
@@ -7970,7 +7964,7 @@
             </p:txBody>
           </p:sp>
         </mc:Choice>
-        <mc:Fallback>
+        <mc:Fallback xmlns="">
           <p:sp>
             <p:nvSpPr>
               <p:cNvPr id="32" name="TextBox 31">
@@ -8051,8 +8045,8 @@
           </a:p>
         </p:txBody>
       </p:sp>
-      <mc:AlternateContent xmlns:mc="http://schemas.openxmlformats.org/markup-compatibility/2006">
-        <mc:Choice xmlns:a14="http://schemas.microsoft.com/office/drawing/2010/main" Requires="a14">
+      <mc:AlternateContent xmlns:mc="http://schemas.openxmlformats.org/markup-compatibility/2006" xmlns:a14="http://schemas.microsoft.com/office/drawing/2010/main">
+        <mc:Choice Requires="a14">
           <p:sp>
             <p:nvSpPr>
               <p:cNvPr id="35" name="TextBox 34">
@@ -8226,7 +8220,7 @@
             </p:txBody>
           </p:sp>
         </mc:Choice>
-        <mc:Fallback>
+        <mc:Fallback xmlns="">
           <p:sp>
             <p:nvSpPr>
               <p:cNvPr id="35" name="TextBox 34">

--- a/원주율 구하기.pptx
+++ b/원주율 구하기.pptx
@@ -4536,7 +4536,7 @@
           <a:p>
             <a:pPr algn="l"/>
             <a:r>
-              <a:rPr kumimoji="1" lang="ko-KR" altLang="en-US" sz="2000"/>
+              <a:rPr kumimoji="1" lang="ko-KR" altLang="en-US" sz="2000" dirty="0"/>
               <a:t>박준서</a:t>
             </a:r>
             <a:endParaRPr kumimoji="1" lang="ko-Kore-KR" altLang="en-US" sz="2000" dirty="0"/>
